--- a/Prez.pptx
+++ b/Prez.pptx
@@ -9,9 +9,8 @@
     <p:sldId id="257" r:id="rId3"/>
     <p:sldId id="258" r:id="rId4"/>
     <p:sldId id="259" r:id="rId5"/>
-    <p:sldId id="260" r:id="rId6"/>
-    <p:sldId id="261" r:id="rId7"/>
-    <p:sldId id="262" r:id="rId8"/>
+    <p:sldId id="261" r:id="rId6"/>
+    <p:sldId id="262" r:id="rId7"/>
   </p:sldIdLst>
   <p:sldSz cx="12192000" cy="6858000"/>
   <p:notesSz cx="6858000" cy="9144000"/>
@@ -110,6 +109,11 @@
       </a:defRPr>
     </a:lvl9pPr>
   </p:defaultTextStyle>
+  <p:extLst>
+    <p:ext uri="{EFAFB233-063F-42B5-8137-9DF3F51BA10A}">
+      <p15:sldGuideLst xmlns:p15="http://schemas.microsoft.com/office/powerpoint/2012/main"/>
+    </p:ext>
+  </p:extLst>
 </p:presentation>
 </file>
 
@@ -326,7 +330,7 @@
           <a:p>
             <a:fld id="{ECE58078-2E3D-4127-8547-D56A5154D526}" type="datetimeFigureOut">
               <a:rPr lang="en-US" smtClean="0"/>
-              <a:t>7/21/2020</a:t>
+              <a:t>8/4/2020</a:t>
             </a:fld>
             <a:endParaRPr lang="en-US"/>
           </a:p>
@@ -622,7 +626,7 @@
           <a:p>
             <a:fld id="{ECE58078-2E3D-4127-8547-D56A5154D526}" type="datetimeFigureOut">
               <a:rPr lang="en-US" smtClean="0"/>
-              <a:t>7/21/2020</a:t>
+              <a:t>8/4/2020</a:t>
             </a:fld>
             <a:endParaRPr lang="en-US"/>
           </a:p>
@@ -881,7 +885,7 @@
           <a:p>
             <a:fld id="{ECE58078-2E3D-4127-8547-D56A5154D526}" type="datetimeFigureOut">
               <a:rPr lang="en-US" smtClean="0"/>
-              <a:t>7/21/2020</a:t>
+              <a:t>8/4/2020</a:t>
             </a:fld>
             <a:endParaRPr lang="en-US"/>
           </a:p>
@@ -1350,7 +1354,7 @@
           <a:p>
             <a:fld id="{ECE58078-2E3D-4127-8547-D56A5154D526}" type="datetimeFigureOut">
               <a:rPr lang="en-US" smtClean="0"/>
-              <a:t>7/21/2020</a:t>
+              <a:t>8/4/2020</a:t>
             </a:fld>
             <a:endParaRPr lang="en-US"/>
           </a:p>
@@ -1530,7 +1534,7 @@
           <a:p>
             <a:fld id="{ECE58078-2E3D-4127-8547-D56A5154D526}" type="datetimeFigureOut">
               <a:rPr lang="en-US" smtClean="0"/>
-              <a:t>7/21/2020</a:t>
+              <a:t>8/4/2020</a:t>
             </a:fld>
             <a:endParaRPr lang="en-US"/>
           </a:p>
@@ -2106,7 +2110,7 @@
           <a:p>
             <a:fld id="{ECE58078-2E3D-4127-8547-D56A5154D526}" type="datetimeFigureOut">
               <a:rPr lang="en-US" smtClean="0"/>
-              <a:t>7/21/2020</a:t>
+              <a:t>8/4/2020</a:t>
             </a:fld>
             <a:endParaRPr lang="en-US"/>
           </a:p>
@@ -2438,7 +2442,7 @@
           <a:p>
             <a:fld id="{ECE58078-2E3D-4127-8547-D56A5154D526}" type="datetimeFigureOut">
               <a:rPr lang="en-US" smtClean="0"/>
-              <a:t>7/21/2020</a:t>
+              <a:t>8/4/2020</a:t>
             </a:fld>
             <a:endParaRPr lang="en-US"/>
           </a:p>
@@ -2613,7 +2617,7 @@
           <a:p>
             <a:fld id="{ECE58078-2E3D-4127-8547-D56A5154D526}" type="datetimeFigureOut">
               <a:rPr lang="en-US" smtClean="0"/>
-              <a:t>7/21/2020</a:t>
+              <a:t>8/4/2020</a:t>
             </a:fld>
             <a:endParaRPr lang="en-US"/>
           </a:p>
@@ -2793,7 +2797,7 @@
           <a:p>
             <a:fld id="{ECE58078-2E3D-4127-8547-D56A5154D526}" type="datetimeFigureOut">
               <a:rPr lang="en-US" smtClean="0"/>
-              <a:t>7/21/2020</a:t>
+              <a:t>8/4/2020</a:t>
             </a:fld>
             <a:endParaRPr lang="en-US"/>
           </a:p>
@@ -2968,7 +2972,7 @@
           <a:p>
             <a:fld id="{ECE58078-2E3D-4127-8547-D56A5154D526}" type="datetimeFigureOut">
               <a:rPr lang="en-US" smtClean="0"/>
-              <a:t>7/21/2020</a:t>
+              <a:t>8/4/2020</a:t>
             </a:fld>
             <a:endParaRPr lang="en-US"/>
           </a:p>
@@ -3225,7 +3229,7 @@
           <a:p>
             <a:fld id="{ECE58078-2E3D-4127-8547-D56A5154D526}" type="datetimeFigureOut">
               <a:rPr lang="en-US" smtClean="0"/>
-              <a:t>7/21/2020</a:t>
+              <a:t>8/4/2020</a:t>
             </a:fld>
             <a:endParaRPr lang="en-US"/>
           </a:p>
@@ -3522,7 +3526,7 @@
           <a:p>
             <a:fld id="{ECE58078-2E3D-4127-8547-D56A5154D526}" type="datetimeFigureOut">
               <a:rPr lang="en-US" smtClean="0"/>
-              <a:t>7/21/2020</a:t>
+              <a:t>8/4/2020</a:t>
             </a:fld>
             <a:endParaRPr lang="en-US"/>
           </a:p>
@@ -3952,7 +3956,7 @@
           <a:p>
             <a:fld id="{ECE58078-2E3D-4127-8547-D56A5154D526}" type="datetimeFigureOut">
               <a:rPr lang="en-US" smtClean="0"/>
-              <a:t>7/21/2020</a:t>
+              <a:t>8/4/2020</a:t>
             </a:fld>
             <a:endParaRPr lang="en-US"/>
           </a:p>
@@ -4070,7 +4074,7 @@
           <a:p>
             <a:fld id="{ECE58078-2E3D-4127-8547-D56A5154D526}" type="datetimeFigureOut">
               <a:rPr lang="en-US" smtClean="0"/>
-              <a:t>7/21/2020</a:t>
+              <a:t>8/4/2020</a:t>
             </a:fld>
             <a:endParaRPr lang="en-US"/>
           </a:p>
@@ -4165,7 +4169,7 @@
           <a:p>
             <a:fld id="{ECE58078-2E3D-4127-8547-D56A5154D526}" type="datetimeFigureOut">
               <a:rPr lang="en-US" smtClean="0"/>
-              <a:t>7/21/2020</a:t>
+              <a:t>8/4/2020</a:t>
             </a:fld>
             <a:endParaRPr lang="en-US"/>
           </a:p>
@@ -4448,7 +4452,7 @@
           <a:p>
             <a:fld id="{ECE58078-2E3D-4127-8547-D56A5154D526}" type="datetimeFigureOut">
               <a:rPr lang="en-US" smtClean="0"/>
-              <a:t>7/21/2020</a:t>
+              <a:t>8/4/2020</a:t>
             </a:fld>
             <a:endParaRPr lang="en-US"/>
           </a:p>
@@ -4739,7 +4743,7 @@
           <a:p>
             <a:fld id="{ECE58078-2E3D-4127-8547-D56A5154D526}" type="datetimeFigureOut">
               <a:rPr lang="en-US" smtClean="0"/>
-              <a:t>7/21/2020</a:t>
+              <a:t>8/4/2020</a:t>
             </a:fld>
             <a:endParaRPr lang="en-US"/>
           </a:p>
@@ -4970,7 +4974,7 @@
           <a:p>
             <a:fld id="{ECE58078-2E3D-4127-8547-D56A5154D526}" type="datetimeFigureOut">
               <a:rPr lang="en-US" smtClean="0"/>
-              <a:t>7/21/2020</a:t>
+              <a:t>8/4/2020</a:t>
             </a:fld>
             <a:endParaRPr lang="en-US"/>
           </a:p>
@@ -5972,12 +5976,6 @@
           <a:p>
             <a:r>
               <a:rPr lang="cs-CZ" dirty="0"/>
-              <a:t>Zobrazení pomocí geolokace</a:t>
-            </a:r>
-          </a:p>
-          <a:p>
-            <a:r>
-              <a:rPr lang="cs-CZ" dirty="0"/>
               <a:t>Zobrazení za pomoci zadání města</a:t>
             </a:r>
           </a:p>
@@ -5990,7 +5988,15 @@
           <a:p>
             <a:r>
               <a:rPr lang="cs-CZ" dirty="0"/>
-              <a:t>Možnost tvorby seznamu měst</a:t>
+              <a:t>Zobrazení</a:t>
+            </a:r>
+            <a:r>
+              <a:rPr lang="en-US" dirty="0"/>
+              <a:t> </a:t>
+            </a:r>
+            <a:r>
+              <a:rPr lang="cs-CZ" dirty="0"/>
+              <a:t>Historie</a:t>
             </a:r>
           </a:p>
           <a:p>
@@ -6121,100 +6127,6 @@
           <p:cNvPr id="2" name="Title 1">
             <a:extLst>
               <a:ext uri="{FF2B5EF4-FFF2-40B4-BE49-F238E27FC236}">
-                <a16:creationId xmlns:a16="http://schemas.microsoft.com/office/drawing/2014/main" id="{D2E2FE9D-65F1-4A33-ADD0-716CFF3FC45A}"/>
-              </a:ext>
-            </a:extLst>
-          </p:cNvPr>
-          <p:cNvSpPr>
-            <a:spLocks noGrp="1"/>
-          </p:cNvSpPr>
-          <p:nvPr>
-            <p:ph type="title"/>
-          </p:nvPr>
-        </p:nvSpPr>
-        <p:spPr/>
-        <p:txBody>
-          <a:bodyPr/>
-          <a:lstStyle/>
-          <a:p>
-            <a:r>
-              <a:rPr lang="cs-CZ" dirty="0"/>
-              <a:t>Potíže</a:t>
-            </a:r>
-            <a:endParaRPr lang="en-US" dirty="0"/>
-          </a:p>
-        </p:txBody>
-      </p:sp>
-      <p:sp>
-        <p:nvSpPr>
-          <p:cNvPr id="3" name="Content Placeholder 2">
-            <a:extLst>
-              <a:ext uri="{FF2B5EF4-FFF2-40B4-BE49-F238E27FC236}">
-                <a16:creationId xmlns:a16="http://schemas.microsoft.com/office/drawing/2014/main" id="{FDCB2219-3904-404A-BD35-50EBF41DA444}"/>
-              </a:ext>
-            </a:extLst>
-          </p:cNvPr>
-          <p:cNvSpPr>
-            <a:spLocks noGrp="1"/>
-          </p:cNvSpPr>
-          <p:nvPr>
-            <p:ph idx="1"/>
-          </p:nvPr>
-        </p:nvSpPr>
-        <p:spPr/>
-        <p:txBody>
-          <a:bodyPr/>
-          <a:lstStyle/>
-          <a:p>
-            <a:r>
-              <a:rPr lang="cs-CZ" dirty="0"/>
-              <a:t>Největší potíže, způsobovalo to, že jsem buť špatně ukládal, nebo špatně četl některé data, neboť vyhazovali null error. Tyto potíže se nepodařilo odstanit a to vedlo k odstranění velké množsví téměř hotové funkcionality, přičemž k uvedení do provozu by stačilo dané informace uložit.</a:t>
-            </a:r>
-          </a:p>
-          <a:p>
-            <a:r>
-              <a:rPr lang="cs-CZ" dirty="0"/>
-              <a:t>Další potíž se vztahuje k problému předchozímu, kdy jsem například potřeboval přepsat adresu obrázku, ale neprojevily se žádné změny.</a:t>
-            </a:r>
-            <a:endParaRPr lang="en-US" dirty="0"/>
-          </a:p>
-        </p:txBody>
-      </p:sp>
-    </p:spTree>
-    <p:extLst>
-      <p:ext uri="{BB962C8B-B14F-4D97-AF65-F5344CB8AC3E}">
-        <p14:creationId xmlns:p14="http://schemas.microsoft.com/office/powerpoint/2010/main" val="1329340746"/>
-      </p:ext>
-    </p:extLst>
-  </p:cSld>
-  <p:clrMapOvr>
-    <a:masterClrMapping/>
-  </p:clrMapOvr>
-</p:sld>
-</file>
-
-<file path=ppt/slides/slide6.xml><?xml version="1.0" encoding="utf-8"?>
-<p:sld xmlns:a="http://schemas.openxmlformats.org/drawingml/2006/main" xmlns:r="http://schemas.openxmlformats.org/officeDocument/2006/relationships" xmlns:p="http://schemas.openxmlformats.org/presentationml/2006/main">
-  <p:cSld>
-    <p:spTree>
-      <p:nvGrpSpPr>
-        <p:cNvPr id="1" name=""/>
-        <p:cNvGrpSpPr/>
-        <p:nvPr/>
-      </p:nvGrpSpPr>
-      <p:grpSpPr>
-        <a:xfrm>
-          <a:off x="0" y="0"/>
-          <a:ext cx="0" cy="0"/>
-          <a:chOff x="0" y="0"/>
-          <a:chExt cx="0" cy="0"/>
-        </a:xfrm>
-      </p:grpSpPr>
-      <p:sp>
-        <p:nvSpPr>
-          <p:cNvPr id="2" name="Title 1">
-            <a:extLst>
-              <a:ext uri="{FF2B5EF4-FFF2-40B4-BE49-F238E27FC236}">
                 <a16:creationId xmlns:a16="http://schemas.microsoft.com/office/drawing/2014/main" id="{A41B0513-D1FF-487C-8BC9-F27BE172F686}"/>
               </a:ext>
             </a:extLst>
@@ -6262,13 +6174,13 @@
           <a:p>
             <a:r>
               <a:rPr lang="cs-CZ" dirty="0"/>
-              <a:t>Po dlouhých pokusech vyřešit uvedené problémy, vedly i k doslovnému přepisu kódu z internetu, které avšak selhaly jsem nakonec poodstaňoval nefunkční části stránky a zhotovil jsem naprostou kostru.</a:t>
+              <a:t>Práce, ačkoliv je ve své podstatě velmi jednoduchá, zabrala vcelku dost času a to hlavně hledáním hloupých chyb .</a:t>
             </a:r>
           </a:p>
           <a:p>
             <a:r>
               <a:rPr lang="cs-CZ" dirty="0"/>
-              <a:t>S výsledkem této práce nejsem spokojen a pokusím se najít řešení mých problémů.</a:t>
+              <a:t>Velkým problémem byla také minimální znalost jazyka a následné hledání a doplňování fukcí.</a:t>
             </a:r>
             <a:endParaRPr lang="en-US" dirty="0"/>
           </a:p>
@@ -6287,7 +6199,7 @@
 </p:sld>
 </file>
 
-<file path=ppt/slides/slide7.xml><?xml version="1.0" encoding="utf-8"?>
+<file path=ppt/slides/slide6.xml><?xml version="1.0" encoding="utf-8"?>
 <p:sld xmlns:a="http://schemas.openxmlformats.org/drawingml/2006/main" xmlns:r="http://schemas.openxmlformats.org/officeDocument/2006/relationships" xmlns:p="http://schemas.openxmlformats.org/presentationml/2006/main">
   <p:cSld>
     <p:spTree>
